--- a/docs/resources/Fig11.pptx
+++ b/docs/resources/Fig11.pptx
@@ -104,6 +104,11 @@
       </a:defRPr>
     </a:lvl9pPr>
   </p:defaultTextStyle>
+  <p:extLst>
+    <p:ext uri="{EFAFB233-063F-42B5-8137-9DF3F51BA10A}">
+      <p15:sldGuideLst xmlns:p15="http://schemas.microsoft.com/office/powerpoint/2012/main"/>
+    </p:ext>
+  </p:extLst>
 </p:presentation>
 </file>
 
@@ -254,7 +259,7 @@
           <a:p>
             <a:fld id="{F72F9FEF-360E-499C-A64A-166A6E855A69}" type="datetimeFigureOut">
               <a:rPr lang="es-ES" smtClean="0"/>
-              <a:t>04/05/2019</a:t>
+              <a:t>20/05/2019</a:t>
             </a:fld>
             <a:endParaRPr lang="es-ES"/>
           </a:p>
@@ -452,7 +457,7 @@
           <a:p>
             <a:fld id="{F72F9FEF-360E-499C-A64A-166A6E855A69}" type="datetimeFigureOut">
               <a:rPr lang="es-ES" smtClean="0"/>
-              <a:t>04/05/2019</a:t>
+              <a:t>20/05/2019</a:t>
             </a:fld>
             <a:endParaRPr lang="es-ES"/>
           </a:p>
@@ -660,7 +665,7 @@
           <a:p>
             <a:fld id="{F72F9FEF-360E-499C-A64A-166A6E855A69}" type="datetimeFigureOut">
               <a:rPr lang="es-ES" smtClean="0"/>
-              <a:t>04/05/2019</a:t>
+              <a:t>20/05/2019</a:t>
             </a:fld>
             <a:endParaRPr lang="es-ES"/>
           </a:p>
@@ -858,7 +863,7 @@
           <a:p>
             <a:fld id="{F72F9FEF-360E-499C-A64A-166A6E855A69}" type="datetimeFigureOut">
               <a:rPr lang="es-ES" smtClean="0"/>
-              <a:t>04/05/2019</a:t>
+              <a:t>20/05/2019</a:t>
             </a:fld>
             <a:endParaRPr lang="es-ES"/>
           </a:p>
@@ -1133,7 +1138,7 @@
           <a:p>
             <a:fld id="{F72F9FEF-360E-499C-A64A-166A6E855A69}" type="datetimeFigureOut">
               <a:rPr lang="es-ES" smtClean="0"/>
-              <a:t>04/05/2019</a:t>
+              <a:t>20/05/2019</a:t>
             </a:fld>
             <a:endParaRPr lang="es-ES"/>
           </a:p>
@@ -1398,7 +1403,7 @@
           <a:p>
             <a:fld id="{F72F9FEF-360E-499C-A64A-166A6E855A69}" type="datetimeFigureOut">
               <a:rPr lang="es-ES" smtClean="0"/>
-              <a:t>04/05/2019</a:t>
+              <a:t>20/05/2019</a:t>
             </a:fld>
             <a:endParaRPr lang="es-ES"/>
           </a:p>
@@ -1810,7 +1815,7 @@
           <a:p>
             <a:fld id="{F72F9FEF-360E-499C-A64A-166A6E855A69}" type="datetimeFigureOut">
               <a:rPr lang="es-ES" smtClean="0"/>
-              <a:t>04/05/2019</a:t>
+              <a:t>20/05/2019</a:t>
             </a:fld>
             <a:endParaRPr lang="es-ES"/>
           </a:p>
@@ -1951,7 +1956,7 @@
           <a:p>
             <a:fld id="{F72F9FEF-360E-499C-A64A-166A6E855A69}" type="datetimeFigureOut">
               <a:rPr lang="es-ES" smtClean="0"/>
-              <a:t>04/05/2019</a:t>
+              <a:t>20/05/2019</a:t>
             </a:fld>
             <a:endParaRPr lang="es-ES"/>
           </a:p>
@@ -2064,7 +2069,7 @@
           <a:p>
             <a:fld id="{F72F9FEF-360E-499C-A64A-166A6E855A69}" type="datetimeFigureOut">
               <a:rPr lang="es-ES" smtClean="0"/>
-              <a:t>04/05/2019</a:t>
+              <a:t>20/05/2019</a:t>
             </a:fld>
             <a:endParaRPr lang="es-ES"/>
           </a:p>
@@ -2375,7 +2380,7 @@
           <a:p>
             <a:fld id="{F72F9FEF-360E-499C-A64A-166A6E855A69}" type="datetimeFigureOut">
               <a:rPr lang="es-ES" smtClean="0"/>
-              <a:t>04/05/2019</a:t>
+              <a:t>20/05/2019</a:t>
             </a:fld>
             <a:endParaRPr lang="es-ES"/>
           </a:p>
@@ -2663,7 +2668,7 @@
           <a:p>
             <a:fld id="{F72F9FEF-360E-499C-A64A-166A6E855A69}" type="datetimeFigureOut">
               <a:rPr lang="es-ES" smtClean="0"/>
-              <a:t>04/05/2019</a:t>
+              <a:t>20/05/2019</a:t>
             </a:fld>
             <a:endParaRPr lang="es-ES"/>
           </a:p>
@@ -2904,7 +2909,7 @@
           <a:p>
             <a:fld id="{F72F9FEF-360E-499C-A64A-166A6E855A69}" type="datetimeFigureOut">
               <a:rPr lang="es-ES" smtClean="0"/>
-              <a:t>04/05/2019</a:t>
+              <a:t>20/05/2019</a:t>
             </a:fld>
             <a:endParaRPr lang="es-ES"/>
           </a:p>
@@ -4264,7 +4269,7 @@
                         <a:solidFill>
                           <a:schemeClr val="tx1"/>
                         </a:solidFill>
-                        <a:tailEnd type="triangle" w="med" len="sm"/>
+                        <a:tailEnd type="triangle" w="lg" len="lg"/>
                       </a:ln>
                     </p:spPr>
                     <p:style>
@@ -4310,7 +4315,7 @@
                         <a:solidFill>
                           <a:schemeClr val="tx1"/>
                         </a:solidFill>
-                        <a:tailEnd type="triangle" w="med" len="sm"/>
+                        <a:tailEnd type="triangle" w="lg" len="lg"/>
                       </a:ln>
                     </p:spPr>
                     <p:style>
@@ -4356,7 +4361,7 @@
                         <a:solidFill>
                           <a:schemeClr val="tx1"/>
                         </a:solidFill>
-                        <a:tailEnd type="triangle" w="med" len="sm"/>
+                        <a:tailEnd type="triangle" w="lg" len="lg"/>
                       </a:ln>
                     </p:spPr>
                     <p:style>
@@ -4402,7 +4407,7 @@
                         <a:solidFill>
                           <a:schemeClr val="tx1"/>
                         </a:solidFill>
-                        <a:tailEnd type="triangle" w="med" len="sm"/>
+                        <a:tailEnd type="triangle" w="lg" len="lg"/>
                       </a:ln>
                     </p:spPr>
                     <p:style>
@@ -4448,7 +4453,7 @@
                         <a:solidFill>
                           <a:schemeClr val="tx1"/>
                         </a:solidFill>
-                        <a:tailEnd type="triangle" w="med" len="sm"/>
+                        <a:tailEnd type="triangle" w="lg" len="lg"/>
                       </a:ln>
                     </p:spPr>
                     <p:style>
@@ -4494,7 +4499,7 @@
                         <a:solidFill>
                           <a:schemeClr val="tx1"/>
                         </a:solidFill>
-                        <a:tailEnd type="triangle" w="med" len="sm"/>
+                        <a:tailEnd type="triangle" w="lg" len="lg"/>
                       </a:ln>
                     </p:spPr>
                     <p:style>
@@ -4540,7 +4545,7 @@
                         <a:solidFill>
                           <a:schemeClr val="tx1"/>
                         </a:solidFill>
-                        <a:tailEnd type="triangle" w="med" len="sm"/>
+                        <a:tailEnd type="triangle" w="lg" len="lg"/>
                       </a:ln>
                     </p:spPr>
                     <p:style>
@@ -4586,7 +4591,7 @@
                         <a:solidFill>
                           <a:schemeClr val="tx1"/>
                         </a:solidFill>
-                        <a:tailEnd type="triangle" w="med" len="sm"/>
+                        <a:tailEnd type="triangle" w="lg" len="lg"/>
                       </a:ln>
                     </p:spPr>
                     <p:style>
@@ -4632,7 +4637,7 @@
                         <a:solidFill>
                           <a:schemeClr val="tx1"/>
                         </a:solidFill>
-                        <a:tailEnd type="triangle" w="med" len="sm"/>
+                        <a:tailEnd type="triangle" w="lg" len="lg"/>
                       </a:ln>
                     </p:spPr>
                     <p:style>
@@ -4678,7 +4683,7 @@
                         <a:solidFill>
                           <a:schemeClr val="tx1"/>
                         </a:solidFill>
-                        <a:tailEnd type="triangle" w="med" len="sm"/>
+                        <a:tailEnd type="triangle" w="lg" len="lg"/>
                       </a:ln>
                     </p:spPr>
                     <p:style>
@@ -4724,7 +4729,7 @@
                         <a:solidFill>
                           <a:schemeClr val="tx1"/>
                         </a:solidFill>
-                        <a:tailEnd type="triangle" w="med" len="sm"/>
+                        <a:tailEnd type="triangle" w="lg" len="lg"/>
                       </a:ln>
                     </p:spPr>
                     <p:style>
@@ -4770,7 +4775,7 @@
                         <a:solidFill>
                           <a:schemeClr val="tx1"/>
                         </a:solidFill>
-                        <a:tailEnd type="triangle" w="med" len="sm"/>
+                        <a:tailEnd type="triangle" w="lg" len="lg"/>
                       </a:ln>
                     </p:spPr>
                     <p:style>
@@ -4838,7 +4843,7 @@
                       <a:solidFill>
                         <a:schemeClr val="tx1"/>
                       </a:solidFill>
-                      <a:tailEnd type="triangle" w="med" len="sm"/>
+                      <a:tailEnd type="triangle" w="lg" len="lg"/>
                     </a:ln>
                   </p:spPr>
                   <p:style>
@@ -4884,7 +4889,7 @@
                       <a:solidFill>
                         <a:schemeClr val="tx1"/>
                       </a:solidFill>
-                      <a:tailEnd type="triangle" w="med" len="sm"/>
+                      <a:tailEnd type="triangle" w="lg" len="lg"/>
                     </a:ln>
                   </p:spPr>
                   <p:style>
@@ -4930,7 +4935,7 @@
                       <a:solidFill>
                         <a:schemeClr val="tx1"/>
                       </a:solidFill>
-                      <a:tailEnd type="triangle" w="med" len="sm"/>
+                      <a:tailEnd type="triangle" w="lg" len="lg"/>
                     </a:ln>
                   </p:spPr>
                   <p:style>
@@ -4976,7 +4981,7 @@
                       <a:solidFill>
                         <a:schemeClr val="tx1"/>
                       </a:solidFill>
-                      <a:tailEnd type="triangle" w="med" len="sm"/>
+                      <a:tailEnd type="triangle" w="lg" len="lg"/>
                     </a:ln>
                   </p:spPr>
                   <p:style>
@@ -5022,7 +5027,7 @@
                       <a:solidFill>
                         <a:schemeClr val="tx1"/>
                       </a:solidFill>
-                      <a:tailEnd type="triangle" w="med" len="sm"/>
+                      <a:tailEnd type="triangle" w="lg" len="lg"/>
                     </a:ln>
                   </p:spPr>
                   <p:style>
@@ -5068,7 +5073,7 @@
                       <a:solidFill>
                         <a:schemeClr val="tx1"/>
                       </a:solidFill>
-                      <a:tailEnd type="triangle" w="med" len="sm"/>
+                      <a:tailEnd type="triangle" w="lg" len="lg"/>
                     </a:ln>
                   </p:spPr>
                   <p:style>
@@ -5114,7 +5119,7 @@
                       <a:solidFill>
                         <a:schemeClr val="tx1"/>
                       </a:solidFill>
-                      <a:tailEnd type="triangle" w="med" len="sm"/>
+                      <a:tailEnd type="triangle" w="lg" len="lg"/>
                     </a:ln>
                   </p:spPr>
                   <p:style>
@@ -5160,7 +5165,7 @@
                       <a:solidFill>
                         <a:schemeClr val="tx1"/>
                       </a:solidFill>
-                      <a:tailEnd type="triangle" w="med" len="sm"/>
+                      <a:tailEnd type="triangle" w="lg" len="lg"/>
                     </a:ln>
                   </p:spPr>
                   <p:style>
@@ -5206,7 +5211,7 @@
                       <a:solidFill>
                         <a:schemeClr val="tx1"/>
                       </a:solidFill>
-                      <a:tailEnd type="triangle" w="med" len="sm"/>
+                      <a:tailEnd type="triangle" w="lg" len="lg"/>
                     </a:ln>
                   </p:spPr>
                   <p:style>
@@ -5252,7 +5257,7 @@
                       <a:solidFill>
                         <a:schemeClr val="tx1"/>
                       </a:solidFill>
-                      <a:tailEnd type="triangle" w="med" len="sm"/>
+                      <a:tailEnd type="triangle" w="lg" len="lg"/>
                     </a:ln>
                   </p:spPr>
                   <p:style>
@@ -5298,7 +5303,7 @@
                       <a:solidFill>
                         <a:schemeClr val="tx1"/>
                       </a:solidFill>
-                      <a:tailEnd type="triangle" w="med" len="sm"/>
+                      <a:tailEnd type="triangle" w="lg" len="lg"/>
                     </a:ln>
                   </p:spPr>
                   <p:style>
@@ -5344,7 +5349,7 @@
                       <a:solidFill>
                         <a:schemeClr val="tx1"/>
                       </a:solidFill>
-                      <a:tailEnd type="triangle" w="med" len="sm"/>
+                      <a:tailEnd type="triangle" w="lg" len="lg"/>
                     </a:ln>
                   </p:spPr>
                   <p:style>
@@ -5390,7 +5395,7 @@
                       <a:solidFill>
                         <a:schemeClr val="tx1"/>
                       </a:solidFill>
-                      <a:tailEnd type="triangle" w="med" len="sm"/>
+                      <a:tailEnd type="triangle" w="lg" len="lg"/>
                     </a:ln>
                   </p:spPr>
                   <p:style>
@@ -5436,7 +5441,7 @@
                       <a:solidFill>
                         <a:schemeClr val="tx1"/>
                       </a:solidFill>
-                      <a:tailEnd type="triangle" w="med" len="sm"/>
+                      <a:tailEnd type="triangle" w="lg" len="lg"/>
                     </a:ln>
                   </p:spPr>
                   <p:style>
@@ -5482,7 +5487,7 @@
                       <a:solidFill>
                         <a:schemeClr val="tx1"/>
                       </a:solidFill>
-                      <a:tailEnd type="triangle" w="med" len="sm"/>
+                      <a:tailEnd type="triangle" w="lg" len="lg"/>
                     </a:ln>
                   </p:spPr>
                   <p:style>
@@ -5528,7 +5533,7 @@
                       <a:solidFill>
                         <a:schemeClr val="tx1"/>
                       </a:solidFill>
-                      <a:tailEnd type="triangle" w="med" len="sm"/>
+                      <a:tailEnd type="triangle" w="lg" len="lg"/>
                     </a:ln>
                   </p:spPr>
                   <p:style>
@@ -5597,7 +5602,7 @@
                   <a:solidFill>
                     <a:schemeClr val="tx1"/>
                   </a:solidFill>
-                  <a:tailEnd type="triangle" w="med" len="sm"/>
+                  <a:tailEnd type="triangle" w="lg" len="lg"/>
                 </a:ln>
               </p:spPr>
               <p:style>
@@ -5643,7 +5648,7 @@
                   <a:solidFill>
                     <a:schemeClr val="tx1"/>
                   </a:solidFill>
-                  <a:tailEnd type="triangle" w="med" len="sm"/>
+                  <a:tailEnd type="triangle" w="lg" len="lg"/>
                 </a:ln>
               </p:spPr>
               <p:style>
@@ -5689,7 +5694,7 @@
                   <a:solidFill>
                     <a:schemeClr val="tx1"/>
                   </a:solidFill>
-                  <a:tailEnd type="triangle" w="med" len="sm"/>
+                  <a:tailEnd type="triangle" w="lg" len="lg"/>
                 </a:ln>
               </p:spPr>
               <p:style>
@@ -5735,7 +5740,7 @@
                   <a:solidFill>
                     <a:schemeClr val="tx1"/>
                   </a:solidFill>
-                  <a:tailEnd type="triangle" w="med" len="sm"/>
+                  <a:tailEnd type="triangle" w="lg" len="lg"/>
                 </a:ln>
               </p:spPr>
               <p:style>
